--- a/Игра.pptx
+++ b/Игра.pptx
@@ -7,13 +7,14 @@
   <p:sldIdLst>
     <p:sldId id="256" r:id="rId2"/>
     <p:sldId id="257" r:id="rId3"/>
-    <p:sldId id="258" r:id="rId4"/>
-    <p:sldId id="264" r:id="rId5"/>
-    <p:sldId id="259" r:id="rId6"/>
-    <p:sldId id="260" r:id="rId7"/>
-    <p:sldId id="261" r:id="rId8"/>
-    <p:sldId id="263" r:id="rId9"/>
-    <p:sldId id="262" r:id="rId10"/>
+    <p:sldId id="265" r:id="rId4"/>
+    <p:sldId id="258" r:id="rId5"/>
+    <p:sldId id="264" r:id="rId6"/>
+    <p:sldId id="259" r:id="rId7"/>
+    <p:sldId id="260" r:id="rId8"/>
+    <p:sldId id="261" r:id="rId9"/>
+    <p:sldId id="263" r:id="rId10"/>
+    <p:sldId id="262" r:id="rId11"/>
   </p:sldIdLst>
   <p:sldSz cx="9144000" cy="6858000" type="screen4x3"/>
   <p:notesSz cx="6858000" cy="9144000"/>
@@ -297,7 +298,7 @@
             <a:fld id="{5744CDDD-716A-4F22-9B6F-33A76E8768F8}" type="datetimeFigureOut">
               <a:rPr lang="ru-RU" smtClean="0"/>
               <a:pPr/>
-              <a:t>16.01.2023</a:t>
+              <a:t>18.01.2023</a:t>
             </a:fld>
             <a:endParaRPr lang="ru-RU"/>
           </a:p>
@@ -464,7 +465,7 @@
             <a:fld id="{5744CDDD-716A-4F22-9B6F-33A76E8768F8}" type="datetimeFigureOut">
               <a:rPr lang="ru-RU" smtClean="0"/>
               <a:pPr/>
-              <a:t>16.01.2023</a:t>
+              <a:t>18.01.2023</a:t>
             </a:fld>
             <a:endParaRPr lang="ru-RU"/>
           </a:p>
@@ -641,7 +642,7 @@
             <a:fld id="{5744CDDD-716A-4F22-9B6F-33A76E8768F8}" type="datetimeFigureOut">
               <a:rPr lang="ru-RU" smtClean="0"/>
               <a:pPr/>
-              <a:t>16.01.2023</a:t>
+              <a:t>18.01.2023</a:t>
             </a:fld>
             <a:endParaRPr lang="ru-RU"/>
           </a:p>
@@ -808,7 +809,7 @@
             <a:fld id="{5744CDDD-716A-4F22-9B6F-33A76E8768F8}" type="datetimeFigureOut">
               <a:rPr lang="ru-RU" smtClean="0"/>
               <a:pPr/>
-              <a:t>16.01.2023</a:t>
+              <a:t>18.01.2023</a:t>
             </a:fld>
             <a:endParaRPr lang="ru-RU"/>
           </a:p>
@@ -1051,7 +1052,7 @@
             <a:fld id="{5744CDDD-716A-4F22-9B6F-33A76E8768F8}" type="datetimeFigureOut">
               <a:rPr lang="ru-RU" smtClean="0"/>
               <a:pPr/>
-              <a:t>16.01.2023</a:t>
+              <a:t>18.01.2023</a:t>
             </a:fld>
             <a:endParaRPr lang="ru-RU"/>
           </a:p>
@@ -1336,7 +1337,7 @@
             <a:fld id="{5744CDDD-716A-4F22-9B6F-33A76E8768F8}" type="datetimeFigureOut">
               <a:rPr lang="ru-RU" smtClean="0"/>
               <a:pPr/>
-              <a:t>16.01.2023</a:t>
+              <a:t>18.01.2023</a:t>
             </a:fld>
             <a:endParaRPr lang="ru-RU"/>
           </a:p>
@@ -1755,7 +1756,7 @@
             <a:fld id="{5744CDDD-716A-4F22-9B6F-33A76E8768F8}" type="datetimeFigureOut">
               <a:rPr lang="ru-RU" smtClean="0"/>
               <a:pPr/>
-              <a:t>16.01.2023</a:t>
+              <a:t>18.01.2023</a:t>
             </a:fld>
             <a:endParaRPr lang="ru-RU"/>
           </a:p>
@@ -1870,7 +1871,7 @@
             <a:fld id="{5744CDDD-716A-4F22-9B6F-33A76E8768F8}" type="datetimeFigureOut">
               <a:rPr lang="ru-RU" smtClean="0"/>
               <a:pPr/>
-              <a:t>16.01.2023</a:t>
+              <a:t>18.01.2023</a:t>
             </a:fld>
             <a:endParaRPr lang="ru-RU"/>
           </a:p>
@@ -1962,7 +1963,7 @@
             <a:fld id="{5744CDDD-716A-4F22-9B6F-33A76E8768F8}" type="datetimeFigureOut">
               <a:rPr lang="ru-RU" smtClean="0"/>
               <a:pPr/>
-              <a:t>16.01.2023</a:t>
+              <a:t>18.01.2023</a:t>
             </a:fld>
             <a:endParaRPr lang="ru-RU"/>
           </a:p>
@@ -2236,7 +2237,7 @@
             <a:fld id="{5744CDDD-716A-4F22-9B6F-33A76E8768F8}" type="datetimeFigureOut">
               <a:rPr lang="ru-RU" smtClean="0"/>
               <a:pPr/>
-              <a:t>16.01.2023</a:t>
+              <a:t>18.01.2023</a:t>
             </a:fld>
             <a:endParaRPr lang="ru-RU"/>
           </a:p>
@@ -2486,7 +2487,7 @@
             <a:fld id="{5744CDDD-716A-4F22-9B6F-33A76E8768F8}" type="datetimeFigureOut">
               <a:rPr lang="ru-RU" smtClean="0"/>
               <a:pPr/>
-              <a:t>16.01.2023</a:t>
+              <a:t>18.01.2023</a:t>
             </a:fld>
             <a:endParaRPr lang="ru-RU"/>
           </a:p>
@@ -2696,7 +2697,7 @@
             <a:fld id="{5744CDDD-716A-4F22-9B6F-33A76E8768F8}" type="datetimeFigureOut">
               <a:rPr lang="ru-RU" smtClean="0"/>
               <a:pPr/>
-              <a:t>16.01.2023</a:t>
+              <a:t>18.01.2023</a:t>
             </a:fld>
             <a:endParaRPr lang="ru-RU"/>
           </a:p>
@@ -3226,6 +3227,96 @@
 </p:sld>
 </file>
 
+<file path=ppt/slides/slide10.xml><?xml version="1.0" encoding="utf-8"?>
+<p:sld xmlns:a="http://schemas.openxmlformats.org/drawingml/2006/main" xmlns:r="http://schemas.openxmlformats.org/officeDocument/2006/relationships" xmlns:p="http://schemas.openxmlformats.org/presentationml/2006/main">
+  <p:cSld>
+    <p:spTree>
+      <p:nvGrpSpPr>
+        <p:cNvPr id="1" name=""/>
+        <p:cNvGrpSpPr/>
+        <p:nvPr/>
+      </p:nvGrpSpPr>
+      <p:grpSpPr>
+        <a:xfrm>
+          <a:off x="0" y="0"/>
+          <a:ext cx="0" cy="0"/>
+          <a:chOff x="0" y="0"/>
+          <a:chExt cx="0" cy="0"/>
+        </a:xfrm>
+      </p:grpSpPr>
+      <p:sp>
+        <p:nvSpPr>
+          <p:cNvPr id="2" name="Заголовок 1"/>
+          <p:cNvSpPr>
+            <a:spLocks noGrp="1"/>
+          </p:cNvSpPr>
+          <p:nvPr>
+            <p:ph type="title"/>
+          </p:nvPr>
+        </p:nvSpPr>
+        <p:spPr/>
+        <p:txBody>
+          <a:bodyPr/>
+          <a:lstStyle/>
+          <a:p>
+            <a:r>
+              <a:rPr lang="ru-RU" dirty="0" smtClean="0"/>
+              <a:t>Планы</a:t>
+            </a:r>
+            <a:endParaRPr lang="ru-RU" dirty="0"/>
+          </a:p>
+        </p:txBody>
+      </p:sp>
+      <p:sp>
+        <p:nvSpPr>
+          <p:cNvPr id="3" name="Содержимое 2"/>
+          <p:cNvSpPr>
+            <a:spLocks noGrp="1"/>
+          </p:cNvSpPr>
+          <p:nvPr>
+            <p:ph idx="1"/>
+          </p:nvPr>
+        </p:nvSpPr>
+        <p:spPr/>
+        <p:txBody>
+          <a:bodyPr/>
+          <a:lstStyle/>
+          <a:p>
+            <a:r>
+              <a:rPr lang="ru-RU" dirty="0" smtClean="0"/>
+              <a:t>Создание новых уровней</a:t>
+            </a:r>
+          </a:p>
+          <a:p>
+            <a:r>
+              <a:rPr lang="ru-RU" dirty="0" smtClean="0"/>
+              <a:t>Добавление разных видов оружий</a:t>
+            </a:r>
+          </a:p>
+          <a:p>
+            <a:r>
+              <a:rPr lang="ru-RU" dirty="0" smtClean="0"/>
+              <a:t>Добавление </a:t>
+            </a:r>
+            <a:r>
+              <a:rPr lang="ru-RU" smtClean="0"/>
+              <a:t>новых локаций</a:t>
+            </a:r>
+            <a:endParaRPr lang="ru-RU" dirty="0" smtClean="0"/>
+          </a:p>
+          <a:p>
+            <a:endParaRPr lang="ru-RU" dirty="0"/>
+          </a:p>
+        </p:txBody>
+      </p:sp>
+    </p:spTree>
+  </p:cSld>
+  <p:clrMapOvr>
+    <a:masterClrMapping/>
+  </p:clrMapOvr>
+</p:sld>
+</file>
+
 <file path=ppt/slides/slide2.xml><?xml version="1.0" encoding="utf-8"?>
 <p:sld xmlns:a="http://schemas.openxmlformats.org/drawingml/2006/main" xmlns:r="http://schemas.openxmlformats.org/officeDocument/2006/relationships" xmlns:p="http://schemas.openxmlformats.org/presentationml/2006/main">
   <p:cSld>
@@ -3413,6 +3504,282 @@
 </file>
 
 <file path=ppt/slides/slide3.xml><?xml version="1.0" encoding="utf-8"?>
+<p:sld xmlns:a="http://schemas.openxmlformats.org/drawingml/2006/main" xmlns:r="http://schemas.openxmlformats.org/officeDocument/2006/relationships" xmlns:p="http://schemas.openxmlformats.org/presentationml/2006/main">
+  <p:cSld>
+    <p:spTree>
+      <p:nvGrpSpPr>
+        <p:cNvPr id="1" name=""/>
+        <p:cNvGrpSpPr/>
+        <p:nvPr/>
+      </p:nvGrpSpPr>
+      <p:grpSpPr>
+        <a:xfrm>
+          <a:off x="0" y="0"/>
+          <a:ext cx="0" cy="0"/>
+          <a:chOff x="0" y="0"/>
+          <a:chExt cx="0" cy="0"/>
+        </a:xfrm>
+      </p:grpSpPr>
+      <p:sp>
+        <p:nvSpPr>
+          <p:cNvPr id="2" name="Заголовок 1"/>
+          <p:cNvSpPr>
+            <a:spLocks noGrp="1"/>
+          </p:cNvSpPr>
+          <p:nvPr>
+            <p:ph type="title"/>
+          </p:nvPr>
+        </p:nvSpPr>
+        <p:spPr/>
+        <p:txBody>
+          <a:bodyPr/>
+          <a:lstStyle/>
+          <a:p>
+            <a:r>
+              <a:rPr lang="ru-RU" b="1" dirty="0" smtClean="0">
+                <a:latin typeface="Times New Roman" panose="02020603050405020304" pitchFamily="18" charset="0"/>
+                <a:cs typeface="Times New Roman" panose="02020603050405020304" pitchFamily="18" charset="0"/>
+              </a:rPr>
+              <a:t>Распределение обязанностей</a:t>
+            </a:r>
+            <a:endParaRPr lang="ru-RU" b="1" dirty="0">
+              <a:latin typeface="Times New Roman" panose="02020603050405020304" pitchFamily="18" charset="0"/>
+              <a:cs typeface="Times New Roman" panose="02020603050405020304" pitchFamily="18" charset="0"/>
+            </a:endParaRPr>
+          </a:p>
+        </p:txBody>
+      </p:sp>
+      <p:graphicFrame>
+        <p:nvGraphicFramePr>
+          <p:cNvPr id="5" name="Объект 4"/>
+          <p:cNvGraphicFramePr>
+            <a:graphicFrameLocks noGrp="1"/>
+          </p:cNvGraphicFramePr>
+          <p:nvPr>
+            <p:ph idx="1"/>
+            <p:extLst>
+              <p:ext uri="{D42A27DB-BD31-4B8C-83A1-F6EECF244321}">
+                <p14:modId xmlns:p14="http://schemas.microsoft.com/office/powerpoint/2010/main" val="1636033246"/>
+              </p:ext>
+            </p:extLst>
+          </p:nvPr>
+        </p:nvGraphicFramePr>
+        <p:xfrm>
+          <a:off x="467544" y="1857360"/>
+          <a:ext cx="8229600" cy="3443848"/>
+        </p:xfrm>
+        <a:graphic>
+          <a:graphicData uri="http://schemas.openxmlformats.org/drawingml/2006/table">
+            <a:tbl>
+              <a:tblPr firstRow="1" bandRow="1">
+                <a:tableStyleId>{2D5ABB26-0587-4C30-8999-92F81FD0307C}</a:tableStyleId>
+              </a:tblPr>
+              <a:tblGrid>
+                <a:gridCol w="2743200"/>
+                <a:gridCol w="2743200"/>
+                <a:gridCol w="2743200"/>
+              </a:tblGrid>
+              <a:tr h="792088">
+                <a:tc>
+                  <a:txBody>
+                    <a:bodyPr/>
+                    <a:lstStyle/>
+                    <a:p>
+                      <a:pPr algn="ctr"/>
+                      <a:r>
+                        <a:rPr lang="ru-RU" sz="2000" b="1" dirty="0" smtClean="0">
+                          <a:latin typeface="Times New Roman" panose="02020603050405020304" pitchFamily="18" charset="0"/>
+                          <a:cs typeface="Times New Roman" panose="02020603050405020304" pitchFamily="18" charset="0"/>
+                        </a:rPr>
+                        <a:t>Герман</a:t>
+                      </a:r>
+                      <a:endParaRPr lang="ru-RU" sz="2000" b="1" dirty="0">
+                        <a:latin typeface="Times New Roman" panose="02020603050405020304" pitchFamily="18" charset="0"/>
+                        <a:cs typeface="Times New Roman" panose="02020603050405020304" pitchFamily="18" charset="0"/>
+                      </a:endParaRPr>
+                    </a:p>
+                  </a:txBody>
+                  <a:tcPr/>
+                </a:tc>
+                <a:tc>
+                  <a:txBody>
+                    <a:bodyPr/>
+                    <a:lstStyle/>
+                    <a:p>
+                      <a:pPr algn="ctr"/>
+                      <a:r>
+                        <a:rPr lang="ru-RU" sz="2000" b="1" dirty="0" smtClean="0">
+                          <a:latin typeface="Times New Roman" panose="02020603050405020304" pitchFamily="18" charset="0"/>
+                          <a:cs typeface="Times New Roman" panose="02020603050405020304" pitchFamily="18" charset="0"/>
+                        </a:rPr>
+                        <a:t>Данил</a:t>
+                      </a:r>
+                      <a:endParaRPr lang="ru-RU" sz="2000" b="1" dirty="0">
+                        <a:latin typeface="Times New Roman" panose="02020603050405020304" pitchFamily="18" charset="0"/>
+                        <a:cs typeface="Times New Roman" panose="02020603050405020304" pitchFamily="18" charset="0"/>
+                      </a:endParaRPr>
+                    </a:p>
+                  </a:txBody>
+                  <a:tcPr/>
+                </a:tc>
+                <a:tc>
+                  <a:txBody>
+                    <a:bodyPr/>
+                    <a:lstStyle/>
+                    <a:p>
+                      <a:pPr algn="ctr"/>
+                      <a:r>
+                        <a:rPr lang="ru-RU" sz="2000" b="1" dirty="0" smtClean="0">
+                          <a:latin typeface="Times New Roman" panose="02020603050405020304" pitchFamily="18" charset="0"/>
+                          <a:cs typeface="Times New Roman" panose="02020603050405020304" pitchFamily="18" charset="0"/>
+                        </a:rPr>
+                        <a:t>Ваня</a:t>
+                      </a:r>
+                      <a:endParaRPr lang="ru-RU" sz="2000" b="1" dirty="0">
+                        <a:latin typeface="Times New Roman" panose="02020603050405020304" pitchFamily="18" charset="0"/>
+                        <a:cs typeface="Times New Roman" panose="02020603050405020304" pitchFamily="18" charset="0"/>
+                      </a:endParaRPr>
+                    </a:p>
+                  </a:txBody>
+                  <a:tcPr/>
+                </a:tc>
+              </a:tr>
+              <a:tr h="2448272">
+                <a:tc>
+                  <a:txBody>
+                    <a:bodyPr/>
+                    <a:lstStyle/>
+                    <a:p>
+                      <a:pPr algn="l"/>
+                      <a:r>
+                        <a:rPr lang="ru-RU" sz="2400" dirty="0" smtClean="0">
+                          <a:latin typeface="Times New Roman" panose="02020603050405020304" pitchFamily="18" charset="0"/>
+                          <a:cs typeface="Times New Roman" panose="02020603050405020304" pitchFamily="18" charset="0"/>
+                        </a:rPr>
+                        <a:t>Разработка</a:t>
+                      </a:r>
+                      <a:r>
+                        <a:rPr lang="ru-RU" sz="2400" baseline="0" dirty="0" smtClean="0">
+                          <a:latin typeface="Times New Roman" panose="02020603050405020304" pitchFamily="18" charset="0"/>
+                          <a:cs typeface="Times New Roman" panose="02020603050405020304" pitchFamily="18" charset="0"/>
+                        </a:rPr>
+                        <a:t> противников, обучение их</a:t>
+                      </a:r>
+                    </a:p>
+                    <a:p>
+                      <a:pPr algn="l"/>
+                      <a:r>
+                        <a:rPr lang="ru-RU" sz="2400" baseline="0" dirty="0" smtClean="0">
+                          <a:latin typeface="Times New Roman" panose="02020603050405020304" pitchFamily="18" charset="0"/>
+                          <a:cs typeface="Times New Roman" panose="02020603050405020304" pitchFamily="18" charset="0"/>
+                        </a:rPr>
+                        <a:t>Разработка стартового и финального окна игры</a:t>
+                      </a:r>
+                    </a:p>
+                  </a:txBody>
+                  <a:tcPr/>
+                </a:tc>
+                <a:tc>
+                  <a:txBody>
+                    <a:bodyPr/>
+                    <a:lstStyle/>
+                    <a:p>
+                      <a:pPr algn="l"/>
+                      <a:r>
+                        <a:rPr lang="ru-RU" sz="2400" dirty="0" smtClean="0">
+                          <a:latin typeface="Times New Roman" panose="02020603050405020304" pitchFamily="18" charset="0"/>
+                          <a:cs typeface="Times New Roman" panose="02020603050405020304" pitchFamily="18" charset="0"/>
+                        </a:rPr>
+                        <a:t>Разработка игрока, функций перемещения.</a:t>
+                      </a:r>
+                    </a:p>
+                    <a:p>
+                      <a:pPr algn="l"/>
+                      <a:r>
+                        <a:rPr lang="ru-RU" sz="2400" dirty="0" smtClean="0">
+                          <a:latin typeface="Times New Roman" panose="02020603050405020304" pitchFamily="18" charset="0"/>
+                          <a:cs typeface="Times New Roman" panose="02020603050405020304" pitchFamily="18" charset="0"/>
+                        </a:rPr>
+                        <a:t>Разработка</a:t>
+                      </a:r>
+                      <a:r>
+                        <a:rPr lang="ru-RU" sz="2400" baseline="0" dirty="0" smtClean="0">
+                          <a:latin typeface="Times New Roman" panose="02020603050405020304" pitchFamily="18" charset="0"/>
+                          <a:cs typeface="Times New Roman" panose="02020603050405020304" pitchFamily="18" charset="0"/>
+                        </a:rPr>
+                        <a:t> аптечек, порталов</a:t>
+                      </a:r>
+                    </a:p>
+                  </a:txBody>
+                  <a:tcPr/>
+                </a:tc>
+                <a:tc>
+                  <a:txBody>
+                    <a:bodyPr/>
+                    <a:lstStyle/>
+                    <a:p>
+                      <a:pPr algn="l"/>
+                      <a:r>
+                        <a:rPr lang="ru-RU" sz="2400" dirty="0" smtClean="0">
+                          <a:latin typeface="Times New Roman" panose="02020603050405020304" pitchFamily="18" charset="0"/>
+                          <a:cs typeface="Times New Roman" panose="02020603050405020304" pitchFamily="18" charset="0"/>
+                        </a:rPr>
+                        <a:t>Написание</a:t>
+                      </a:r>
+                      <a:r>
+                        <a:rPr lang="ru-RU" sz="2400" baseline="0" dirty="0" smtClean="0">
+                          <a:latin typeface="Times New Roman" panose="02020603050405020304" pitchFamily="18" charset="0"/>
+                          <a:cs typeface="Times New Roman" panose="02020603050405020304" pitchFamily="18" charset="0"/>
+                        </a:rPr>
+                        <a:t> технического задания</a:t>
+                      </a:r>
+                    </a:p>
+                    <a:p>
+                      <a:pPr algn="l"/>
+                      <a:r>
+                        <a:rPr lang="ru-RU" sz="2400" baseline="0" dirty="0" smtClean="0">
+                          <a:latin typeface="Times New Roman" panose="02020603050405020304" pitchFamily="18" charset="0"/>
+                          <a:cs typeface="Times New Roman" panose="02020603050405020304" pitchFamily="18" charset="0"/>
+                        </a:rPr>
+                        <a:t>Разработка уровней</a:t>
+                      </a:r>
+                    </a:p>
+                    <a:p>
+                      <a:pPr algn="l"/>
+                      <a:r>
+                        <a:rPr lang="ru-RU" sz="2400" baseline="0" dirty="0" smtClean="0">
+                          <a:latin typeface="Times New Roman" panose="02020603050405020304" pitchFamily="18" charset="0"/>
+                          <a:cs typeface="Times New Roman" panose="02020603050405020304" pitchFamily="18" charset="0"/>
+                        </a:rPr>
+                        <a:t>Генерация уровней</a:t>
+                      </a:r>
+                      <a:endParaRPr lang="ru-RU" sz="2400" dirty="0">
+                        <a:latin typeface="Times New Roman" panose="02020603050405020304" pitchFamily="18" charset="0"/>
+                        <a:cs typeface="Times New Roman" panose="02020603050405020304" pitchFamily="18" charset="0"/>
+                      </a:endParaRPr>
+                    </a:p>
+                  </a:txBody>
+                  <a:tcPr/>
+                </a:tc>
+              </a:tr>
+            </a:tbl>
+          </a:graphicData>
+        </a:graphic>
+      </p:graphicFrame>
+    </p:spTree>
+    <p:extLst>
+      <p:ext uri="{BB962C8B-B14F-4D97-AF65-F5344CB8AC3E}">
+        <p14:creationId xmlns:p14="http://schemas.microsoft.com/office/powerpoint/2010/main" val="3671334950"/>
+      </p:ext>
+    </p:extLst>
+  </p:cSld>
+  <p:clrMapOvr>
+    <a:masterClrMapping/>
+  </p:clrMapOvr>
+</p:sld>
+</file>
+
+<file path=ppt/slides/slide4.xml><?xml version="1.0" encoding="utf-8"?>
 <p:sld xmlns:a="http://schemas.openxmlformats.org/drawingml/2006/main" xmlns:r="http://schemas.openxmlformats.org/officeDocument/2006/relationships" xmlns:p="http://schemas.openxmlformats.org/presentationml/2006/main">
   <p:cSld>
     <p:spTree>
@@ -3526,7 +3893,7 @@
 </p:sld>
 </file>
 
-<file path=ppt/slides/slide4.xml><?xml version="1.0" encoding="utf-8"?>
+<file path=ppt/slides/slide5.xml><?xml version="1.0" encoding="utf-8"?>
 <p:sld xmlns:a="http://schemas.openxmlformats.org/drawingml/2006/main" xmlns:r="http://schemas.openxmlformats.org/officeDocument/2006/relationships" xmlns:p="http://schemas.openxmlformats.org/presentationml/2006/main">
   <p:cSld>
     <p:spTree>
@@ -3600,7 +3967,7 @@
 </p:sld>
 </file>
 
-<file path=ppt/slides/slide5.xml><?xml version="1.0" encoding="utf-8"?>
+<file path=ppt/slides/slide6.xml><?xml version="1.0" encoding="utf-8"?>
 <p:sld xmlns:a="http://schemas.openxmlformats.org/drawingml/2006/main" xmlns:r="http://schemas.openxmlformats.org/officeDocument/2006/relationships" xmlns:p="http://schemas.openxmlformats.org/presentationml/2006/main">
   <p:cSld>
     <p:spTree>
@@ -3681,7 +4048,7 @@
 </p:sld>
 </file>
 
-<file path=ppt/slides/slide6.xml><?xml version="1.0" encoding="utf-8"?>
+<file path=ppt/slides/slide7.xml><?xml version="1.0" encoding="utf-8"?>
 <p:sld xmlns:a="http://schemas.openxmlformats.org/drawingml/2006/main" xmlns:r="http://schemas.openxmlformats.org/officeDocument/2006/relationships" xmlns:p="http://schemas.openxmlformats.org/presentationml/2006/main">
   <p:cSld>
     <p:spTree>
@@ -3762,7 +4129,7 @@
 </p:sld>
 </file>
 
-<file path=ppt/slides/slide7.xml><?xml version="1.0" encoding="utf-8"?>
+<file path=ppt/slides/slide8.xml><?xml version="1.0" encoding="utf-8"?>
 <p:sld xmlns:a="http://schemas.openxmlformats.org/drawingml/2006/main" xmlns:r="http://schemas.openxmlformats.org/officeDocument/2006/relationships" xmlns:p="http://schemas.openxmlformats.org/presentationml/2006/main">
   <p:cSld>
     <p:spTree>
@@ -3843,77 +4210,6 @@
 </p:sld>
 </file>
 
-<file path=ppt/slides/slide8.xml><?xml version="1.0" encoding="utf-8"?>
-<p:sld xmlns:a="http://schemas.openxmlformats.org/drawingml/2006/main" xmlns:r="http://schemas.openxmlformats.org/officeDocument/2006/relationships" xmlns:p="http://schemas.openxmlformats.org/presentationml/2006/main">
-  <p:cSld>
-    <p:spTree>
-      <p:nvGrpSpPr>
-        <p:cNvPr id="1" name=""/>
-        <p:cNvGrpSpPr/>
-        <p:nvPr/>
-      </p:nvGrpSpPr>
-      <p:grpSpPr>
-        <a:xfrm>
-          <a:off x="0" y="0"/>
-          <a:ext cx="0" cy="0"/>
-          <a:chOff x="0" y="0"/>
-          <a:chExt cx="0" cy="0"/>
-        </a:xfrm>
-      </p:grpSpPr>
-      <p:sp>
-        <p:nvSpPr>
-          <p:cNvPr id="2" name="Заголовок 1"/>
-          <p:cNvSpPr>
-            <a:spLocks noGrp="1"/>
-          </p:cNvSpPr>
-          <p:nvPr>
-            <p:ph type="title"/>
-          </p:nvPr>
-        </p:nvSpPr>
-        <p:spPr/>
-        <p:txBody>
-          <a:bodyPr/>
-          <a:lstStyle/>
-          <a:p>
-            <a:r>
-              <a:rPr lang="ru-RU" dirty="0" smtClean="0"/>
-              <a:t>Финальный экран</a:t>
-            </a:r>
-            <a:endParaRPr lang="ru-RU" dirty="0"/>
-          </a:p>
-        </p:txBody>
-      </p:sp>
-      <p:pic>
-        <p:nvPicPr>
-          <p:cNvPr id="4" name="Содержимое 3" descr="Файл_000.png"/>
-          <p:cNvPicPr>
-            <a:picLocks noGrp="1" noChangeAspect="1"/>
-          </p:cNvPicPr>
-          <p:nvPr>
-            <p:ph idx="1"/>
-          </p:nvPr>
-        </p:nvPicPr>
-        <p:blipFill>
-          <a:blip r:embed="rId2"/>
-          <a:stretch>
-            <a:fillRect/>
-          </a:stretch>
-        </p:blipFill>
-        <p:spPr>
-          <a:xfrm>
-            <a:off x="2000232" y="1214414"/>
-            <a:ext cx="5143536" cy="5297535"/>
-          </a:xfrm>
-        </p:spPr>
-      </p:pic>
-    </p:spTree>
-  </p:cSld>
-  <p:clrMapOvr>
-    <a:masterClrMapping/>
-  </p:clrMapOvr>
-</p:sld>
-</file>
-
 <file path=ppt/slides/slide9.xml><?xml version="1.0" encoding="utf-8"?>
 <p:sld xmlns:a="http://schemas.openxmlformats.org/drawingml/2006/main" xmlns:r="http://schemas.openxmlformats.org/officeDocument/2006/relationships" xmlns:p="http://schemas.openxmlformats.org/presentationml/2006/main">
   <p:cSld>
@@ -3948,58 +4244,35 @@
           <a:p>
             <a:r>
               <a:rPr lang="ru-RU" dirty="0" smtClean="0"/>
-              <a:t>Планы</a:t>
+              <a:t>Финальный экран</a:t>
             </a:r>
             <a:endParaRPr lang="ru-RU" dirty="0"/>
           </a:p>
         </p:txBody>
       </p:sp>
-      <p:sp>
-        <p:nvSpPr>
-          <p:cNvPr id="3" name="Содержимое 2"/>
-          <p:cNvSpPr>
-            <a:spLocks noGrp="1"/>
-          </p:cNvSpPr>
+      <p:pic>
+        <p:nvPicPr>
+          <p:cNvPr id="4" name="Содержимое 3" descr="Файл_000.png"/>
+          <p:cNvPicPr>
+            <a:picLocks noGrp="1" noChangeAspect="1"/>
+          </p:cNvPicPr>
           <p:nvPr>
             <p:ph idx="1"/>
           </p:nvPr>
-        </p:nvSpPr>
-        <p:spPr/>
-        <p:txBody>
-          <a:bodyPr/>
-          <a:lstStyle/>
-          <a:p>
-            <a:r>
-              <a:rPr lang="ru-RU" dirty="0" smtClean="0"/>
-              <a:t>Создание новых уровней</a:t>
-            </a:r>
-          </a:p>
-          <a:p>
-            <a:r>
-              <a:rPr lang="ru-RU" dirty="0" smtClean="0"/>
-              <a:t>Добавление разных видов </a:t>
-            </a:r>
-            <a:r>
-              <a:rPr lang="ru-RU" dirty="0" smtClean="0"/>
-              <a:t>оружий</a:t>
-            </a:r>
-          </a:p>
-          <a:p>
-            <a:r>
-              <a:rPr lang="ru-RU" dirty="0" smtClean="0"/>
-              <a:t>Добавление </a:t>
-            </a:r>
-            <a:r>
-              <a:rPr lang="ru-RU" smtClean="0"/>
-              <a:t>новых локаций</a:t>
-            </a:r>
-            <a:endParaRPr lang="ru-RU" dirty="0" smtClean="0"/>
-          </a:p>
-          <a:p>
-            <a:endParaRPr lang="ru-RU" dirty="0"/>
-          </a:p>
-        </p:txBody>
-      </p:sp>
+        </p:nvPicPr>
+        <p:blipFill>
+          <a:blip r:embed="rId2"/>
+          <a:stretch>
+            <a:fillRect/>
+          </a:stretch>
+        </p:blipFill>
+        <p:spPr>
+          <a:xfrm>
+            <a:off x="2000232" y="1214414"/>
+            <a:ext cx="5143536" cy="5297535"/>
+          </a:xfrm>
+        </p:spPr>
+      </p:pic>
     </p:spTree>
   </p:cSld>
   <p:clrMapOvr>

--- a/Игра.pptx
+++ b/Игра.pptx
@@ -3821,14 +3821,20 @@
       </p:sp>
       <p:pic>
         <p:nvPicPr>
-          <p:cNvPr id="1027" name="Picture 3"/>
+          <p:cNvPr id="1029" name="Picture 5"/>
           <p:cNvPicPr>
             <a:picLocks noChangeAspect="1" noChangeArrowheads="1"/>
           </p:cNvPicPr>
           <p:nvPr/>
         </p:nvPicPr>
         <p:blipFill>
-          <a:blip r:embed="rId2"/>
+          <a:blip r:embed="rId2">
+            <a:extLst>
+              <a:ext uri="{28A0092B-C50C-407E-A947-70E740481C1C}">
+                <a14:useLocalDpi xmlns:a14="http://schemas.microsoft.com/office/drawing/2010/main" val="0"/>
+              </a:ext>
+            </a:extLst>
+          </a:blip>
           <a:srcRect/>
           <a:stretch>
             <a:fillRect/>
@@ -3836,32 +3842,53 @@
         </p:blipFill>
         <p:spPr bwMode="auto">
           <a:xfrm>
-            <a:off x="1142976" y="1357298"/>
-            <a:ext cx="2383515" cy="5414976"/>
+            <a:off x="342900" y="1340768"/>
+            <a:ext cx="2819400" cy="4638675"/>
           </a:xfrm>
           <a:prstGeom prst="rect">
             <a:avLst/>
           </a:prstGeom>
           <a:noFill/>
-          <a:ln w="9525">
+          <a:ln>
             <a:noFill/>
-            <a:miter lim="800000"/>
-            <a:headEnd/>
-            <a:tailEnd/>
           </a:ln>
-          <a:effectLst/>
+          <a:extLst>
+            <a:ext uri="{909E8E84-426E-40DD-AFC4-6F175D3DCCD1}">
+              <a14:hiddenFill xmlns:a14="http://schemas.microsoft.com/office/drawing/2010/main">
+                <a:solidFill>
+                  <a:schemeClr val="accent1"/>
+                </a:solidFill>
+              </a14:hiddenFill>
+            </a:ext>
+            <a:ext uri="{91240B29-F687-4F45-9708-019B960494DF}">
+              <a14:hiddenLine xmlns:a14="http://schemas.microsoft.com/office/drawing/2010/main" w="9525">
+                <a:solidFill>
+                  <a:schemeClr val="tx1"/>
+                </a:solidFill>
+                <a:miter lim="800000"/>
+                <a:headEnd/>
+                <a:tailEnd/>
+              </a14:hiddenLine>
+            </a:ext>
+          </a:extLst>
         </p:spPr>
       </p:pic>
       <p:pic>
         <p:nvPicPr>
-          <p:cNvPr id="1028" name="Picture 4"/>
+          <p:cNvPr id="1030" name="Picture 6"/>
           <p:cNvPicPr>
             <a:picLocks noChangeAspect="1" noChangeArrowheads="1"/>
           </p:cNvPicPr>
           <p:nvPr/>
         </p:nvPicPr>
         <p:blipFill>
-          <a:blip r:embed="rId3"/>
+          <a:blip r:embed="rId3">
+            <a:extLst>
+              <a:ext uri="{28A0092B-C50C-407E-A947-70E740481C1C}">
+                <a14:useLocalDpi xmlns:a14="http://schemas.microsoft.com/office/drawing/2010/main" val="0"/>
+              </a:ext>
+            </a:extLst>
+          </a:blip>
           <a:srcRect/>
           <a:stretch>
             <a:fillRect/>
@@ -3869,20 +3896,89 @@
         </p:blipFill>
         <p:spPr bwMode="auto">
           <a:xfrm>
-            <a:off x="4786314" y="1428736"/>
-            <a:ext cx="2819400" cy="2905125"/>
+            <a:off x="3275856" y="1124744"/>
+            <a:ext cx="2698935" cy="5544751"/>
           </a:xfrm>
           <a:prstGeom prst="rect">
             <a:avLst/>
           </a:prstGeom>
           <a:noFill/>
-          <a:ln w="9525">
+          <a:ln>
             <a:noFill/>
-            <a:miter lim="800000"/>
-            <a:headEnd/>
-            <a:tailEnd/>
           </a:ln>
-          <a:effectLst/>
+          <a:extLst>
+            <a:ext uri="{909E8E84-426E-40DD-AFC4-6F175D3DCCD1}">
+              <a14:hiddenFill xmlns:a14="http://schemas.microsoft.com/office/drawing/2010/main">
+                <a:solidFill>
+                  <a:schemeClr val="accent1"/>
+                </a:solidFill>
+              </a14:hiddenFill>
+            </a:ext>
+            <a:ext uri="{91240B29-F687-4F45-9708-019B960494DF}">
+              <a14:hiddenLine xmlns:a14="http://schemas.microsoft.com/office/drawing/2010/main" w="9525">
+                <a:solidFill>
+                  <a:schemeClr val="tx1"/>
+                </a:solidFill>
+                <a:miter lim="800000"/>
+                <a:headEnd/>
+                <a:tailEnd/>
+              </a14:hiddenLine>
+            </a:ext>
+          </a:extLst>
+        </p:spPr>
+      </p:pic>
+      <p:pic>
+        <p:nvPicPr>
+          <p:cNvPr id="1031" name="Picture 7"/>
+          <p:cNvPicPr>
+            <a:picLocks noChangeAspect="1" noChangeArrowheads="1"/>
+          </p:cNvPicPr>
+          <p:nvPr/>
+        </p:nvPicPr>
+        <p:blipFill>
+          <a:blip r:embed="rId4">
+            <a:extLst>
+              <a:ext uri="{28A0092B-C50C-407E-A947-70E740481C1C}">
+                <a14:useLocalDpi xmlns:a14="http://schemas.microsoft.com/office/drawing/2010/main" val="0"/>
+              </a:ext>
+            </a:extLst>
+          </a:blip>
+          <a:srcRect/>
+          <a:stretch>
+            <a:fillRect/>
+          </a:stretch>
+        </p:blipFill>
+        <p:spPr bwMode="auto">
+          <a:xfrm>
+            <a:off x="6084168" y="1506835"/>
+            <a:ext cx="2876550" cy="3362325"/>
+          </a:xfrm>
+          <a:prstGeom prst="rect">
+            <a:avLst/>
+          </a:prstGeom>
+          <a:noFill/>
+          <a:ln>
+            <a:noFill/>
+          </a:ln>
+          <a:extLst>
+            <a:ext uri="{909E8E84-426E-40DD-AFC4-6F175D3DCCD1}">
+              <a14:hiddenFill xmlns:a14="http://schemas.microsoft.com/office/drawing/2010/main">
+                <a:solidFill>
+                  <a:schemeClr val="accent1"/>
+                </a:solidFill>
+              </a14:hiddenFill>
+            </a:ext>
+            <a:ext uri="{91240B29-F687-4F45-9708-019B960494DF}">
+              <a14:hiddenLine xmlns:a14="http://schemas.microsoft.com/office/drawing/2010/main" w="9525">
+                <a:solidFill>
+                  <a:schemeClr val="tx1"/>
+                </a:solidFill>
+                <a:miter lim="800000"/>
+                <a:headEnd/>
+                <a:tailEnd/>
+              </a14:hiddenLine>
+            </a:ext>
+          </a:extLst>
         </p:spPr>
       </p:pic>
     </p:spTree>

--- a/Игра.pptx
+++ b/Игра.pptx
@@ -8,13 +8,14 @@
     <p:sldId id="256" r:id="rId2"/>
     <p:sldId id="257" r:id="rId3"/>
     <p:sldId id="265" r:id="rId4"/>
-    <p:sldId id="258" r:id="rId5"/>
-    <p:sldId id="264" r:id="rId6"/>
-    <p:sldId id="259" r:id="rId7"/>
-    <p:sldId id="260" r:id="rId8"/>
-    <p:sldId id="261" r:id="rId9"/>
-    <p:sldId id="263" r:id="rId10"/>
-    <p:sldId id="262" r:id="rId11"/>
+    <p:sldId id="266" r:id="rId5"/>
+    <p:sldId id="258" r:id="rId6"/>
+    <p:sldId id="264" r:id="rId7"/>
+    <p:sldId id="259" r:id="rId8"/>
+    <p:sldId id="260" r:id="rId9"/>
+    <p:sldId id="261" r:id="rId10"/>
+    <p:sldId id="263" r:id="rId11"/>
+    <p:sldId id="262" r:id="rId12"/>
   </p:sldIdLst>
   <p:sldSz cx="9144000" cy="6858000" type="screen4x3"/>
   <p:notesSz cx="6858000" cy="9144000"/>
@@ -298,7 +299,7 @@
             <a:fld id="{5744CDDD-716A-4F22-9B6F-33A76E8768F8}" type="datetimeFigureOut">
               <a:rPr lang="ru-RU" smtClean="0"/>
               <a:pPr/>
-              <a:t>18.01.2023</a:t>
+              <a:t>23.01.2023</a:t>
             </a:fld>
             <a:endParaRPr lang="ru-RU"/>
           </a:p>
@@ -465,7 +466,7 @@
             <a:fld id="{5744CDDD-716A-4F22-9B6F-33A76E8768F8}" type="datetimeFigureOut">
               <a:rPr lang="ru-RU" smtClean="0"/>
               <a:pPr/>
-              <a:t>18.01.2023</a:t>
+              <a:t>23.01.2023</a:t>
             </a:fld>
             <a:endParaRPr lang="ru-RU"/>
           </a:p>
@@ -642,7 +643,7 @@
             <a:fld id="{5744CDDD-716A-4F22-9B6F-33A76E8768F8}" type="datetimeFigureOut">
               <a:rPr lang="ru-RU" smtClean="0"/>
               <a:pPr/>
-              <a:t>18.01.2023</a:t>
+              <a:t>23.01.2023</a:t>
             </a:fld>
             <a:endParaRPr lang="ru-RU"/>
           </a:p>
@@ -809,7 +810,7 @@
             <a:fld id="{5744CDDD-716A-4F22-9B6F-33A76E8768F8}" type="datetimeFigureOut">
               <a:rPr lang="ru-RU" smtClean="0"/>
               <a:pPr/>
-              <a:t>18.01.2023</a:t>
+              <a:t>23.01.2023</a:t>
             </a:fld>
             <a:endParaRPr lang="ru-RU"/>
           </a:p>
@@ -1052,7 +1053,7 @@
             <a:fld id="{5744CDDD-716A-4F22-9B6F-33A76E8768F8}" type="datetimeFigureOut">
               <a:rPr lang="ru-RU" smtClean="0"/>
               <a:pPr/>
-              <a:t>18.01.2023</a:t>
+              <a:t>23.01.2023</a:t>
             </a:fld>
             <a:endParaRPr lang="ru-RU"/>
           </a:p>
@@ -1337,7 +1338,7 @@
             <a:fld id="{5744CDDD-716A-4F22-9B6F-33A76E8768F8}" type="datetimeFigureOut">
               <a:rPr lang="ru-RU" smtClean="0"/>
               <a:pPr/>
-              <a:t>18.01.2023</a:t>
+              <a:t>23.01.2023</a:t>
             </a:fld>
             <a:endParaRPr lang="ru-RU"/>
           </a:p>
@@ -1756,7 +1757,7 @@
             <a:fld id="{5744CDDD-716A-4F22-9B6F-33A76E8768F8}" type="datetimeFigureOut">
               <a:rPr lang="ru-RU" smtClean="0"/>
               <a:pPr/>
-              <a:t>18.01.2023</a:t>
+              <a:t>23.01.2023</a:t>
             </a:fld>
             <a:endParaRPr lang="ru-RU"/>
           </a:p>
@@ -1871,7 +1872,7 @@
             <a:fld id="{5744CDDD-716A-4F22-9B6F-33A76E8768F8}" type="datetimeFigureOut">
               <a:rPr lang="ru-RU" smtClean="0"/>
               <a:pPr/>
-              <a:t>18.01.2023</a:t>
+              <a:t>23.01.2023</a:t>
             </a:fld>
             <a:endParaRPr lang="ru-RU"/>
           </a:p>
@@ -1963,7 +1964,7 @@
             <a:fld id="{5744CDDD-716A-4F22-9B6F-33A76E8768F8}" type="datetimeFigureOut">
               <a:rPr lang="ru-RU" smtClean="0"/>
               <a:pPr/>
-              <a:t>18.01.2023</a:t>
+              <a:t>23.01.2023</a:t>
             </a:fld>
             <a:endParaRPr lang="ru-RU"/>
           </a:p>
@@ -2237,7 +2238,7 @@
             <a:fld id="{5744CDDD-716A-4F22-9B6F-33A76E8768F8}" type="datetimeFigureOut">
               <a:rPr lang="ru-RU" smtClean="0"/>
               <a:pPr/>
-              <a:t>18.01.2023</a:t>
+              <a:t>23.01.2023</a:t>
             </a:fld>
             <a:endParaRPr lang="ru-RU"/>
           </a:p>
@@ -2487,7 +2488,7 @@
             <a:fld id="{5744CDDD-716A-4F22-9B6F-33A76E8768F8}" type="datetimeFigureOut">
               <a:rPr lang="ru-RU" smtClean="0"/>
               <a:pPr/>
-              <a:t>18.01.2023</a:t>
+              <a:t>23.01.2023</a:t>
             </a:fld>
             <a:endParaRPr lang="ru-RU"/>
           </a:p>
@@ -2697,7 +2698,7 @@
             <a:fld id="{5744CDDD-716A-4F22-9B6F-33A76E8768F8}" type="datetimeFigureOut">
               <a:rPr lang="ru-RU" smtClean="0"/>
               <a:pPr/>
-              <a:t>18.01.2023</a:t>
+              <a:t>23.01.2023</a:t>
             </a:fld>
             <a:endParaRPr lang="ru-RU"/>
           </a:p>
@@ -3261,6 +3262,77 @@
           <a:p>
             <a:r>
               <a:rPr lang="ru-RU" dirty="0" smtClean="0"/>
+              <a:t>Финальный экран</a:t>
+            </a:r>
+            <a:endParaRPr lang="ru-RU" dirty="0"/>
+          </a:p>
+        </p:txBody>
+      </p:sp>
+      <p:pic>
+        <p:nvPicPr>
+          <p:cNvPr id="4" name="Содержимое 3" descr="Файл_000.png"/>
+          <p:cNvPicPr>
+            <a:picLocks noGrp="1" noChangeAspect="1"/>
+          </p:cNvPicPr>
+          <p:nvPr>
+            <p:ph idx="1"/>
+          </p:nvPr>
+        </p:nvPicPr>
+        <p:blipFill>
+          <a:blip r:embed="rId2"/>
+          <a:stretch>
+            <a:fillRect/>
+          </a:stretch>
+        </p:blipFill>
+        <p:spPr>
+          <a:xfrm>
+            <a:off x="2000232" y="1214414"/>
+            <a:ext cx="5143536" cy="5297535"/>
+          </a:xfrm>
+        </p:spPr>
+      </p:pic>
+    </p:spTree>
+  </p:cSld>
+  <p:clrMapOvr>
+    <a:masterClrMapping/>
+  </p:clrMapOvr>
+</p:sld>
+</file>
+
+<file path=ppt/slides/slide11.xml><?xml version="1.0" encoding="utf-8"?>
+<p:sld xmlns:a="http://schemas.openxmlformats.org/drawingml/2006/main" xmlns:r="http://schemas.openxmlformats.org/officeDocument/2006/relationships" xmlns:p="http://schemas.openxmlformats.org/presentationml/2006/main">
+  <p:cSld>
+    <p:spTree>
+      <p:nvGrpSpPr>
+        <p:cNvPr id="1" name=""/>
+        <p:cNvGrpSpPr/>
+        <p:nvPr/>
+      </p:nvGrpSpPr>
+      <p:grpSpPr>
+        <a:xfrm>
+          <a:off x="0" y="0"/>
+          <a:ext cx="0" cy="0"/>
+          <a:chOff x="0" y="0"/>
+          <a:chExt cx="0" cy="0"/>
+        </a:xfrm>
+      </p:grpSpPr>
+      <p:sp>
+        <p:nvSpPr>
+          <p:cNvPr id="2" name="Заголовок 1"/>
+          <p:cNvSpPr>
+            <a:spLocks noGrp="1"/>
+          </p:cNvSpPr>
+          <p:nvPr>
+            <p:ph type="title"/>
+          </p:nvPr>
+        </p:nvSpPr>
+        <p:spPr/>
+        <p:txBody>
+          <a:bodyPr/>
+          <a:lstStyle/>
+          <a:p>
+            <a:r>
+              <a:rPr lang="ru-RU" dirty="0" smtClean="0"/>
               <a:t>Планы</a:t>
             </a:r>
             <a:endParaRPr lang="ru-RU" dirty="0"/>
@@ -3559,7 +3631,7 @@
             <p:ph idx="1"/>
             <p:extLst>
               <p:ext uri="{D42A27DB-BD31-4B8C-83A1-F6EECF244321}">
-                <p14:modId xmlns:p14="http://schemas.microsoft.com/office/powerpoint/2010/main" val="1636033246"/>
+                <p14:modId xmlns:p14="http://schemas.microsoft.com/office/powerpoint/2010/main" val="418179777"/>
               </p:ext>
             </p:extLst>
           </p:nvPr>
@@ -3663,8 +3735,19 @@
                           <a:latin typeface="Times New Roman" panose="02020603050405020304" pitchFamily="18" charset="0"/>
                           <a:cs typeface="Times New Roman" panose="02020603050405020304" pitchFamily="18" charset="0"/>
                         </a:rPr>
-                        <a:t> противников, обучение их</a:t>
+                        <a:t> противников, обучение </a:t>
                       </a:r>
+                      <a:r>
+                        <a:rPr lang="ru-RU" sz="2400" baseline="0" dirty="0" smtClean="0">
+                          <a:latin typeface="Times New Roman" panose="02020603050405020304" pitchFamily="18" charset="0"/>
+                          <a:cs typeface="Times New Roman" panose="02020603050405020304" pitchFamily="18" charset="0"/>
+                        </a:rPr>
+                        <a:t>их.</a:t>
+                      </a:r>
+                      <a:endParaRPr lang="ru-RU" sz="2400" baseline="0" dirty="0" smtClean="0">
+                        <a:latin typeface="Times New Roman" panose="02020603050405020304" pitchFamily="18" charset="0"/>
+                        <a:cs typeface="Times New Roman" panose="02020603050405020304" pitchFamily="18" charset="0"/>
+                      </a:endParaRPr>
                     </a:p>
                     <a:p>
                       <a:pPr algn="l"/>
@@ -3707,8 +3790,19 @@
                           <a:latin typeface="Times New Roman" panose="02020603050405020304" pitchFamily="18" charset="0"/>
                           <a:cs typeface="Times New Roman" panose="02020603050405020304" pitchFamily="18" charset="0"/>
                         </a:rPr>
-                        <a:t> аптечек, порталов</a:t>
+                        <a:t> аптечек, </a:t>
                       </a:r>
+                      <a:r>
+                        <a:rPr lang="ru-RU" sz="2400" baseline="0" dirty="0" smtClean="0">
+                          <a:latin typeface="Times New Roman" panose="02020603050405020304" pitchFamily="18" charset="0"/>
+                          <a:cs typeface="Times New Roman" panose="02020603050405020304" pitchFamily="18" charset="0"/>
+                        </a:rPr>
+                        <a:t>порталов.</a:t>
+                      </a:r>
+                      <a:endParaRPr lang="ru-RU" sz="2400" baseline="0" dirty="0" smtClean="0">
+                        <a:latin typeface="Times New Roman" panose="02020603050405020304" pitchFamily="18" charset="0"/>
+                        <a:cs typeface="Times New Roman" panose="02020603050405020304" pitchFamily="18" charset="0"/>
+                      </a:endParaRPr>
                     </a:p>
                   </a:txBody>
                   <a:tcPr/>
@@ -3731,8 +3825,19 @@
                           <a:latin typeface="Times New Roman" panose="02020603050405020304" pitchFamily="18" charset="0"/>
                           <a:cs typeface="Times New Roman" panose="02020603050405020304" pitchFamily="18" charset="0"/>
                         </a:rPr>
-                        <a:t> технического задания</a:t>
+                        <a:t> технического </a:t>
                       </a:r>
+                      <a:r>
+                        <a:rPr lang="ru-RU" sz="2400" baseline="0" dirty="0" smtClean="0">
+                          <a:latin typeface="Times New Roman" panose="02020603050405020304" pitchFamily="18" charset="0"/>
+                          <a:cs typeface="Times New Roman" panose="02020603050405020304" pitchFamily="18" charset="0"/>
+                        </a:rPr>
+                        <a:t>задания.</a:t>
+                      </a:r>
+                      <a:endParaRPr lang="ru-RU" sz="2400" baseline="0" dirty="0" smtClean="0">
+                        <a:latin typeface="Times New Roman" panose="02020603050405020304" pitchFamily="18" charset="0"/>
+                        <a:cs typeface="Times New Roman" panose="02020603050405020304" pitchFamily="18" charset="0"/>
+                      </a:endParaRPr>
                     </a:p>
                     <a:p>
                       <a:pPr algn="l"/>
@@ -3741,8 +3846,19 @@
                           <a:latin typeface="Times New Roman" panose="02020603050405020304" pitchFamily="18" charset="0"/>
                           <a:cs typeface="Times New Roman" panose="02020603050405020304" pitchFamily="18" charset="0"/>
                         </a:rPr>
-                        <a:t>Разработка уровней</a:t>
+                        <a:t>Разработка </a:t>
                       </a:r>
+                      <a:r>
+                        <a:rPr lang="ru-RU" sz="2400" baseline="0" dirty="0" smtClean="0">
+                          <a:latin typeface="Times New Roman" panose="02020603050405020304" pitchFamily="18" charset="0"/>
+                          <a:cs typeface="Times New Roman" panose="02020603050405020304" pitchFamily="18" charset="0"/>
+                        </a:rPr>
+                        <a:t>уровней.</a:t>
+                      </a:r>
+                      <a:endParaRPr lang="ru-RU" sz="2400" baseline="0" dirty="0" smtClean="0">
+                        <a:latin typeface="Times New Roman" panose="02020603050405020304" pitchFamily="18" charset="0"/>
+                        <a:cs typeface="Times New Roman" panose="02020603050405020304" pitchFamily="18" charset="0"/>
+                      </a:endParaRPr>
                     </a:p>
                     <a:p>
                       <a:pPr algn="l"/>
@@ -3780,6 +3896,102 @@
 </file>
 
 <file path=ppt/slides/slide4.xml><?xml version="1.0" encoding="utf-8"?>
+<p:sld xmlns:a="http://schemas.openxmlformats.org/drawingml/2006/main" xmlns:r="http://schemas.openxmlformats.org/officeDocument/2006/relationships" xmlns:p="http://schemas.openxmlformats.org/presentationml/2006/main">
+  <p:cSld>
+    <p:spTree>
+      <p:nvGrpSpPr>
+        <p:cNvPr id="1" name=""/>
+        <p:cNvGrpSpPr/>
+        <p:nvPr/>
+      </p:nvGrpSpPr>
+      <p:grpSpPr>
+        <a:xfrm>
+          <a:off x="0" y="0"/>
+          <a:ext cx="0" cy="0"/>
+          <a:chOff x="0" y="0"/>
+          <a:chExt cx="0" cy="0"/>
+        </a:xfrm>
+      </p:grpSpPr>
+      <p:sp>
+        <p:nvSpPr>
+          <p:cNvPr id="2" name="Заголовок 1"/>
+          <p:cNvSpPr>
+            <a:spLocks noGrp="1"/>
+          </p:cNvSpPr>
+          <p:nvPr>
+            <p:ph type="title"/>
+          </p:nvPr>
+        </p:nvSpPr>
+        <p:spPr>
+          <a:xfrm>
+            <a:off x="467544" y="332656"/>
+            <a:ext cx="8229600" cy="1143000"/>
+          </a:xfrm>
+        </p:spPr>
+        <p:txBody>
+          <a:bodyPr/>
+          <a:lstStyle/>
+          <a:p>
+            <a:r>
+              <a:rPr lang="ru-RU" dirty="0" smtClean="0"/>
+              <a:t>Использованные технологии</a:t>
+            </a:r>
+            <a:endParaRPr lang="ru-RU" dirty="0"/>
+          </a:p>
+        </p:txBody>
+      </p:sp>
+      <p:sp>
+        <p:nvSpPr>
+          <p:cNvPr id="3" name="Объект 2"/>
+          <p:cNvSpPr>
+            <a:spLocks noGrp="1"/>
+          </p:cNvSpPr>
+          <p:nvPr>
+            <p:ph idx="1"/>
+          </p:nvPr>
+        </p:nvSpPr>
+        <p:spPr/>
+        <p:txBody>
+          <a:bodyPr/>
+          <a:lstStyle/>
+          <a:p>
+            <a:pPr marL="0" indent="0">
+              <a:buNone/>
+            </a:pPr>
+            <a:endParaRPr lang="en-US" dirty="0"/>
+          </a:p>
+          <a:p>
+            <a:r>
+              <a:rPr lang="en-US" dirty="0" smtClean="0"/>
+              <a:t>SQLite</a:t>
+            </a:r>
+          </a:p>
+          <a:p>
+            <a:r>
+              <a:rPr lang="en-US" dirty="0" err="1" smtClean="0"/>
+              <a:t>Pygame</a:t>
+            </a:r>
+            <a:endParaRPr lang="en-US" dirty="0" smtClean="0"/>
+          </a:p>
+          <a:p>
+            <a:endParaRPr lang="ru-RU" dirty="0"/>
+          </a:p>
+        </p:txBody>
+      </p:sp>
+    </p:spTree>
+    <p:extLst>
+      <p:ext uri="{BB962C8B-B14F-4D97-AF65-F5344CB8AC3E}">
+        <p14:creationId xmlns:p14="http://schemas.microsoft.com/office/powerpoint/2010/main" val="2586520574"/>
+      </p:ext>
+    </p:extLst>
+  </p:cSld>
+  <p:clrMapOvr>
+    <a:masterClrMapping/>
+  </p:clrMapOvr>
+</p:sld>
+</file>
+
+<file path=ppt/slides/slide5.xml><?xml version="1.0" encoding="utf-8"?>
 <p:sld xmlns:a="http://schemas.openxmlformats.org/drawingml/2006/main" xmlns:r="http://schemas.openxmlformats.org/officeDocument/2006/relationships" xmlns:p="http://schemas.openxmlformats.org/presentationml/2006/main">
   <p:cSld>
     <p:spTree>
@@ -3989,7 +4201,7 @@
 </p:sld>
 </file>
 
-<file path=ppt/slides/slide5.xml><?xml version="1.0" encoding="utf-8"?>
+<file path=ppt/slides/slide6.xml><?xml version="1.0" encoding="utf-8"?>
 <p:sld xmlns:a="http://schemas.openxmlformats.org/drawingml/2006/main" xmlns:r="http://schemas.openxmlformats.org/officeDocument/2006/relationships" xmlns:p="http://schemas.openxmlformats.org/presentationml/2006/main">
   <p:cSld>
     <p:spTree>
@@ -4063,7 +4275,7 @@
 </p:sld>
 </file>
 
-<file path=ppt/slides/slide6.xml><?xml version="1.0" encoding="utf-8"?>
+<file path=ppt/slides/slide7.xml><?xml version="1.0" encoding="utf-8"?>
 <p:sld xmlns:a="http://schemas.openxmlformats.org/drawingml/2006/main" xmlns:r="http://schemas.openxmlformats.org/officeDocument/2006/relationships" xmlns:p="http://schemas.openxmlformats.org/presentationml/2006/main">
   <p:cSld>
     <p:spTree>
@@ -4144,7 +4356,7 @@
 </p:sld>
 </file>
 
-<file path=ppt/slides/slide7.xml><?xml version="1.0" encoding="utf-8"?>
+<file path=ppt/slides/slide8.xml><?xml version="1.0" encoding="utf-8"?>
 <p:sld xmlns:a="http://schemas.openxmlformats.org/drawingml/2006/main" xmlns:r="http://schemas.openxmlformats.org/officeDocument/2006/relationships" xmlns:p="http://schemas.openxmlformats.org/presentationml/2006/main">
   <p:cSld>
     <p:spTree>
@@ -4225,7 +4437,7 @@
 </p:sld>
 </file>
 
-<file path=ppt/slides/slide8.xml><?xml version="1.0" encoding="utf-8"?>
+<file path=ppt/slides/slide9.xml><?xml version="1.0" encoding="utf-8"?>
 <p:sld xmlns:a="http://schemas.openxmlformats.org/drawingml/2006/main" xmlns:r="http://schemas.openxmlformats.org/officeDocument/2006/relationships" xmlns:p="http://schemas.openxmlformats.org/presentationml/2006/main">
   <p:cSld>
     <p:spTree>
@@ -4296,77 +4508,6 @@
             <a:tailEnd/>
           </a:ln>
           <a:effectLst/>
-        </p:spPr>
-      </p:pic>
-    </p:spTree>
-  </p:cSld>
-  <p:clrMapOvr>
-    <a:masterClrMapping/>
-  </p:clrMapOvr>
-</p:sld>
-</file>
-
-<file path=ppt/slides/slide9.xml><?xml version="1.0" encoding="utf-8"?>
-<p:sld xmlns:a="http://schemas.openxmlformats.org/drawingml/2006/main" xmlns:r="http://schemas.openxmlformats.org/officeDocument/2006/relationships" xmlns:p="http://schemas.openxmlformats.org/presentationml/2006/main">
-  <p:cSld>
-    <p:spTree>
-      <p:nvGrpSpPr>
-        <p:cNvPr id="1" name=""/>
-        <p:cNvGrpSpPr/>
-        <p:nvPr/>
-      </p:nvGrpSpPr>
-      <p:grpSpPr>
-        <a:xfrm>
-          <a:off x="0" y="0"/>
-          <a:ext cx="0" cy="0"/>
-          <a:chOff x="0" y="0"/>
-          <a:chExt cx="0" cy="0"/>
-        </a:xfrm>
-      </p:grpSpPr>
-      <p:sp>
-        <p:nvSpPr>
-          <p:cNvPr id="2" name="Заголовок 1"/>
-          <p:cNvSpPr>
-            <a:spLocks noGrp="1"/>
-          </p:cNvSpPr>
-          <p:nvPr>
-            <p:ph type="title"/>
-          </p:nvPr>
-        </p:nvSpPr>
-        <p:spPr/>
-        <p:txBody>
-          <a:bodyPr/>
-          <a:lstStyle/>
-          <a:p>
-            <a:r>
-              <a:rPr lang="ru-RU" dirty="0" smtClean="0"/>
-              <a:t>Финальный экран</a:t>
-            </a:r>
-            <a:endParaRPr lang="ru-RU" dirty="0"/>
-          </a:p>
-        </p:txBody>
-      </p:sp>
-      <p:pic>
-        <p:nvPicPr>
-          <p:cNvPr id="4" name="Содержимое 3" descr="Файл_000.png"/>
-          <p:cNvPicPr>
-            <a:picLocks noGrp="1" noChangeAspect="1"/>
-          </p:cNvPicPr>
-          <p:nvPr>
-            <p:ph idx="1"/>
-          </p:nvPr>
-        </p:nvPicPr>
-        <p:blipFill>
-          <a:blip r:embed="rId2"/>
-          <a:stretch>
-            <a:fillRect/>
-          </a:stretch>
-        </p:blipFill>
-        <p:spPr>
-          <a:xfrm>
-            <a:off x="2000232" y="1214414"/>
-            <a:ext cx="5143536" cy="5297535"/>
-          </a:xfrm>
         </p:spPr>
       </p:pic>
     </p:spTree>
